--- a/课程ppt/第7讲 素材与图文消息.pptx
+++ b/课程ppt/第7讲 素材与图文消息.pptx
@@ -9,10 +9,10 @@
     <p:sldMasterId id="2147483691" r:id="rId5"/>
   </p:sldMasterIdLst>
   <p:notesMasterIdLst>
-    <p:notesMasterId r:id="rId26"/>
+    <p:notesMasterId r:id="rId27"/>
   </p:notesMasterIdLst>
   <p:handoutMasterIdLst>
-    <p:handoutMasterId r:id="rId27"/>
+    <p:handoutMasterId r:id="rId28"/>
   </p:handoutMasterIdLst>
   <p:sldIdLst>
     <p:sldId id="257" r:id="rId6"/>
@@ -22,24 +22,25 @@
     <p:sldId id="500" r:id="rId10"/>
     <p:sldId id="501" r:id="rId11"/>
     <p:sldId id="503" r:id="rId12"/>
-    <p:sldId id="460" r:id="rId13"/>
-    <p:sldId id="495" r:id="rId14"/>
-    <p:sldId id="483" r:id="rId15"/>
-    <p:sldId id="496" r:id="rId16"/>
-    <p:sldId id="498" r:id="rId17"/>
-    <p:sldId id="504" r:id="rId18"/>
-    <p:sldId id="505" r:id="rId19"/>
-    <p:sldId id="452" r:id="rId20"/>
-    <p:sldId id="491" r:id="rId21"/>
-    <p:sldId id="499" r:id="rId22"/>
-    <p:sldId id="493" r:id="rId23"/>
-    <p:sldId id="494" r:id="rId24"/>
-    <p:sldId id="311" r:id="rId25"/>
+    <p:sldId id="506" r:id="rId13"/>
+    <p:sldId id="460" r:id="rId14"/>
+    <p:sldId id="495" r:id="rId15"/>
+    <p:sldId id="483" r:id="rId16"/>
+    <p:sldId id="496" r:id="rId17"/>
+    <p:sldId id="498" r:id="rId18"/>
+    <p:sldId id="504" r:id="rId19"/>
+    <p:sldId id="505" r:id="rId20"/>
+    <p:sldId id="452" r:id="rId21"/>
+    <p:sldId id="491" r:id="rId22"/>
+    <p:sldId id="499" r:id="rId23"/>
+    <p:sldId id="493" r:id="rId24"/>
+    <p:sldId id="494" r:id="rId25"/>
+    <p:sldId id="311" r:id="rId26"/>
   </p:sldIdLst>
   <p:sldSz cx="12192000" cy="6858000"/>
   <p:notesSz cx="6858000" cy="9144000"/>
   <p:custDataLst>
-    <p:tags r:id="rId28"/>
+    <p:tags r:id="rId29"/>
   </p:custDataLst>
   <p:defaultTextStyle>
     <a:defPPr>
@@ -270,7 +271,7 @@
           <a:p>
             <a:fld id="{2B71C804-97F5-4B36-A7AC-EEEC7F44F6C2}" type="datetimeFigureOut">
               <a:rPr lang="zh-CN" altLang="en-US" smtClean="0"/>
-              <a:t>2017/8/29</a:t>
+              <a:t>2017/8/31</a:t>
             </a:fld>
             <a:endParaRPr lang="zh-CN" altLang="en-US"/>
           </a:p>
@@ -436,7 +437,7 @@
           <a:p>
             <a:fld id="{0568D9C6-D8DC-4CC3-8480-E0C4DBA1CC07}" type="datetimeFigureOut">
               <a:rPr lang="zh-CN" altLang="en-US" smtClean="0"/>
-              <a:t>2017/8/29</a:t>
+              <a:t>2017/8/31</a:t>
             </a:fld>
             <a:endParaRPr lang="zh-CN" altLang="en-US"/>
           </a:p>
@@ -947,7 +948,7 @@
                 <a:ea typeface="宋体" charset="-122"/>
               </a:rPr>
               <a:pPr algn="r" eaLnBrk="1" hangingPunct="1"/>
-              <a:t>20</a:t>
+              <a:t>21</a:t>
             </a:fld>
             <a:endParaRPr lang="zh-CN" altLang="en-US" sz="1200">
               <a:latin typeface="Calibri" pitchFamily="34" charset="0"/>
@@ -1049,7 +1050,7 @@
           <a:p>
             <a:fld id="{DB9D664F-4C68-42D2-B189-678958EFAFDA}" type="datetime1">
               <a:rPr lang="zh-CN" altLang="en-US" smtClean="0"/>
-              <a:t>2017/8/29</a:t>
+              <a:t>2017/8/31</a:t>
             </a:fld>
             <a:endParaRPr lang="zh-CN" altLang="en-US"/>
           </a:p>
@@ -2031,7 +2032,7 @@
           <a:p>
             <a:fld id="{ED5513C8-E3A4-4D78-B249-887659A958FF}" type="datetime1">
               <a:rPr lang="en-US" altLang="zh-CN" smtClean="0"/>
-              <a:t>8/29/2017</a:t>
+              <a:t>8/31/2017</a:t>
             </a:fld>
             <a:endParaRPr lang="en-US"/>
           </a:p>
@@ -2209,7 +2210,7 @@
           <a:p>
             <a:fld id="{EBEDA52C-3EEE-4289-818C-901C0A7814FE}" type="datetime1">
               <a:rPr lang="en-US" altLang="zh-CN" smtClean="0"/>
-              <a:t>8/29/2017</a:t>
+              <a:t>8/31/2017</a:t>
             </a:fld>
             <a:endParaRPr lang="en-US"/>
           </a:p>
@@ -2463,7 +2464,7 @@
           <a:p>
             <a:fld id="{09EF5D7F-EA15-485C-85DD-8FDC010A62D4}" type="datetime1">
               <a:rPr lang="en-US" altLang="zh-CN" smtClean="0"/>
-              <a:t>8/29/2017</a:t>
+              <a:t>8/31/2017</a:t>
             </a:fld>
             <a:endParaRPr lang="en-US"/>
           </a:p>
@@ -2703,7 +2704,7 @@
           <a:p>
             <a:fld id="{9541C2B2-0BAB-4CD4-83EE-25F1A7138896}" type="datetime1">
               <a:rPr lang="en-US" altLang="zh-CN" smtClean="0"/>
-              <a:t>8/29/2017</a:t>
+              <a:t>8/31/2017</a:t>
             </a:fld>
             <a:endParaRPr lang="en-US"/>
           </a:p>
@@ -3078,7 +3079,7 @@
           <a:p>
             <a:fld id="{7DEA23E7-D0FC-41DC-8745-BE6FC447B182}" type="datetime1">
               <a:rPr lang="en-US" altLang="zh-CN" smtClean="0"/>
-              <a:t>8/29/2017</a:t>
+              <a:t>8/31/2017</a:t>
             </a:fld>
             <a:endParaRPr lang="en-US"/>
           </a:p>
@@ -3863,7 +3864,7 @@
           <a:p>
             <a:fld id="{5DEA8378-5F33-490B-8120-8DE6B7EE2781}" type="datetime1">
               <a:rPr lang="en-US" altLang="zh-CN" smtClean="0"/>
-              <a:t>8/29/2017</a:t>
+              <a:t>8/31/2017</a:t>
             </a:fld>
             <a:endParaRPr lang="en-US"/>
           </a:p>
@@ -4117,7 +4118,7 @@
           <a:p>
             <a:fld id="{38DD30CF-78A7-4C73-91B4-38D3E3317745}" type="datetime1">
               <a:rPr lang="en-US" altLang="zh-CN" smtClean="0"/>
-              <a:t>8/29/2017</a:t>
+              <a:t>8/31/2017</a:t>
             </a:fld>
             <a:endParaRPr lang="en-US"/>
           </a:p>
@@ -4220,7 +4221,7 @@
           <a:p>
             <a:fld id="{A1BE0A72-8501-4974-A7B7-5BD248ABBAFC}" type="datetime1">
               <a:rPr lang="zh-CN" altLang="en-US" smtClean="0"/>
-              <a:t>2017/8/29</a:t>
+              <a:t>2017/8/31</a:t>
             </a:fld>
             <a:endParaRPr lang="zh-CN" altLang="en-US"/>
           </a:p>
@@ -4481,7 +4482,7 @@
           <a:p>
             <a:fld id="{0B7E01DD-16D0-4DBA-9C1A-51468BA0B73A}" type="datetime1">
               <a:rPr lang="en-US" altLang="zh-CN" smtClean="0"/>
-              <a:t>8/29/2017</a:t>
+              <a:t>8/31/2017</a:t>
             </a:fld>
             <a:endParaRPr lang="en-US"/>
           </a:p>
@@ -4659,7 +4660,7 @@
           <a:p>
             <a:fld id="{B587E63F-0E62-4A50-901F-E071D77F7634}" type="datetime1">
               <a:rPr lang="en-US" altLang="zh-CN" smtClean="0"/>
-              <a:t>8/29/2017</a:t>
+              <a:t>8/31/2017</a:t>
             </a:fld>
             <a:endParaRPr lang="en-US"/>
           </a:p>
@@ -4847,7 +4848,7 @@
           <a:p>
             <a:fld id="{BD8521E8-9297-400B-AD8C-0A4D05699D33}" type="datetime1">
               <a:rPr lang="en-US" altLang="zh-CN" smtClean="0"/>
-              <a:t>8/29/2017</a:t>
+              <a:t>8/31/2017</a:t>
             </a:fld>
             <a:endParaRPr lang="en-US"/>
           </a:p>
@@ -5078,7 +5079,7 @@
           <a:p>
             <a:fld id="{ED5513C8-E3A4-4D78-B249-887659A958FF}" type="datetime1">
               <a:rPr lang="en-US" altLang="zh-CN" smtClean="0"/>
-              <a:t>8/29/2017</a:t>
+              <a:t>8/31/2017</a:t>
             </a:fld>
             <a:endParaRPr lang="en-US"/>
           </a:p>
@@ -5256,7 +5257,7 @@
           <a:p>
             <a:fld id="{EBEDA52C-3EEE-4289-818C-901C0A7814FE}" type="datetime1">
               <a:rPr lang="en-US" altLang="zh-CN" smtClean="0"/>
-              <a:t>8/29/2017</a:t>
+              <a:t>8/31/2017</a:t>
             </a:fld>
             <a:endParaRPr lang="en-US"/>
           </a:p>
@@ -5510,7 +5511,7 @@
           <a:p>
             <a:fld id="{09EF5D7F-EA15-485C-85DD-8FDC010A62D4}" type="datetime1">
               <a:rPr lang="en-US" altLang="zh-CN" smtClean="0"/>
-              <a:t>8/29/2017</a:t>
+              <a:t>8/31/2017</a:t>
             </a:fld>
             <a:endParaRPr lang="en-US"/>
           </a:p>
@@ -5750,7 +5751,7 @@
           <a:p>
             <a:fld id="{9541C2B2-0BAB-4CD4-83EE-25F1A7138896}" type="datetime1">
               <a:rPr lang="en-US" altLang="zh-CN" smtClean="0"/>
-              <a:t>8/29/2017</a:t>
+              <a:t>8/31/2017</a:t>
             </a:fld>
             <a:endParaRPr lang="en-US"/>
           </a:p>
@@ -6125,7 +6126,7 @@
           <a:p>
             <a:fld id="{7DEA23E7-D0FC-41DC-8745-BE6FC447B182}" type="datetime1">
               <a:rPr lang="en-US" altLang="zh-CN" smtClean="0"/>
-              <a:t>8/29/2017</a:t>
+              <a:t>8/31/2017</a:t>
             </a:fld>
             <a:endParaRPr lang="en-US"/>
           </a:p>
@@ -6910,7 +6911,7 @@
           <a:p>
             <a:fld id="{A1BE0A72-8501-4974-A7B7-5BD248ABBAFC}" type="datetime1">
               <a:rPr lang="zh-CN" altLang="en-US" smtClean="0"/>
-              <a:t>2017/8/29</a:t>
+              <a:t>2017/8/31</a:t>
             </a:fld>
             <a:endParaRPr lang="zh-CN" altLang="en-US"/>
           </a:p>
@@ -6963,7 +6964,7 @@
           <a:p>
             <a:fld id="{5DEA8378-5F33-490B-8120-8DE6B7EE2781}" type="datetime1">
               <a:rPr lang="en-US" altLang="zh-CN" smtClean="0"/>
-              <a:t>8/29/2017</a:t>
+              <a:t>8/31/2017</a:t>
             </a:fld>
             <a:endParaRPr lang="en-US"/>
           </a:p>
@@ -7217,7 +7218,7 @@
           <a:p>
             <a:fld id="{38DD30CF-78A7-4C73-91B4-38D3E3317745}" type="datetime1">
               <a:rPr lang="en-US" altLang="zh-CN" smtClean="0"/>
-              <a:t>8/29/2017</a:t>
+              <a:t>8/31/2017</a:t>
             </a:fld>
             <a:endParaRPr lang="en-US"/>
           </a:p>
@@ -7482,7 +7483,7 @@
           <a:p>
             <a:fld id="{0B7E01DD-16D0-4DBA-9C1A-51468BA0B73A}" type="datetime1">
               <a:rPr lang="en-US" altLang="zh-CN" smtClean="0"/>
-              <a:t>8/29/2017</a:t>
+              <a:t>8/31/2017</a:t>
             </a:fld>
             <a:endParaRPr lang="en-US"/>
           </a:p>
@@ -7660,7 +7661,7 @@
           <a:p>
             <a:fld id="{B587E63F-0E62-4A50-901F-E071D77F7634}" type="datetime1">
               <a:rPr lang="en-US" altLang="zh-CN" smtClean="0"/>
-              <a:t>8/29/2017</a:t>
+              <a:t>8/31/2017</a:t>
             </a:fld>
             <a:endParaRPr lang="en-US"/>
           </a:p>
@@ -7848,7 +7849,7 @@
           <a:p>
             <a:fld id="{BD8521E8-9297-400B-AD8C-0A4D05699D33}" type="datetime1">
               <a:rPr lang="en-US" altLang="zh-CN" smtClean="0"/>
-              <a:t>8/29/2017</a:t>
+              <a:t>8/31/2017</a:t>
             </a:fld>
             <a:endParaRPr lang="en-US"/>
           </a:p>
@@ -7951,7 +7952,7 @@
           <a:p>
             <a:fld id="{EF452D9C-F9EB-4417-9C3A-C876C2AF9415}" type="datetime1">
               <a:rPr lang="zh-CN" altLang="en-US" smtClean="0"/>
-              <a:t>2017/8/29</a:t>
+              <a:t>2017/8/31</a:t>
             </a:fld>
             <a:endParaRPr lang="zh-CN" altLang="en-US"/>
           </a:p>
@@ -8137,7 +8138,7 @@
           <a:p>
             <a:fld id="{2F2E9289-9B4C-49AE-BDDA-70D6EDC89D17}" type="datetime1">
               <a:rPr lang="zh-CN" altLang="en-US" smtClean="0"/>
-              <a:t>2017/8/29</a:t>
+              <a:t>2017/8/31</a:t>
             </a:fld>
             <a:endParaRPr lang="zh-CN" altLang="en-US"/>
           </a:p>
@@ -8307,7 +8308,7 @@
           <a:p>
             <a:fld id="{2F2E9289-9B4C-49AE-BDDA-70D6EDC89D17}" type="datetime1">
               <a:rPr lang="zh-CN" altLang="en-US" smtClean="0"/>
-              <a:t>2017/8/29</a:t>
+              <a:t>2017/8/31</a:t>
             </a:fld>
             <a:endParaRPr lang="zh-CN" altLang="en-US"/>
           </a:p>
@@ -8543,7 +8544,7 @@
           <a:p>
             <a:fld id="{8C5BA751-A251-47D6-8494-C134D9EBED5F}" type="datetime1">
               <a:rPr lang="zh-CN" altLang="en-US" smtClean="0"/>
-              <a:t>2017/8/29</a:t>
+              <a:t>2017/8/31</a:t>
             </a:fld>
             <a:endParaRPr lang="zh-CN" altLang="en-US"/>
           </a:p>
@@ -8899,7 +8900,7 @@
           <a:p>
             <a:fld id="{C46E2078-F302-4651-A2A2-2FC6C4E1A3F1}" type="datetime1">
               <a:rPr lang="zh-CN" altLang="en-US" smtClean="0"/>
-              <a:t>2017/8/29</a:t>
+              <a:t>2017/8/31</a:t>
             </a:fld>
             <a:endParaRPr lang="zh-CN" altLang="en-US"/>
           </a:p>
@@ -9021,7 +9022,7 @@
               <a:pPr>
                 <a:defRPr/>
               </a:pPr>
-              <a:t>2017/8/29</a:t>
+              <a:t>2017/8/31</a:t>
             </a:fld>
             <a:endParaRPr lang="zh-CN" altLang="en-US"/>
           </a:p>
@@ -9169,7 +9170,7 @@
           <a:p>
             <a:fld id="{A1BE0A72-8501-4974-A7B7-5BD248ABBAFC}" type="datetime1">
               <a:rPr lang="zh-CN" altLang="en-US" smtClean="0"/>
-              <a:t>2017/8/29</a:t>
+              <a:t>2017/8/31</a:t>
             </a:fld>
             <a:endParaRPr lang="zh-CN" altLang="en-US"/>
           </a:p>
@@ -9683,7 +9684,7 @@
           <a:p>
             <a:fld id="{A1BE0A72-8501-4974-A7B7-5BD248ABBAFC}" type="datetime1">
               <a:rPr lang="zh-CN" altLang="en-US" smtClean="0"/>
-              <a:t>2017/8/29</a:t>
+              <a:t>2017/8/31</a:t>
             </a:fld>
             <a:endParaRPr lang="zh-CN" altLang="en-US"/>
           </a:p>
@@ -10289,7 +10290,7 @@
           <a:p>
             <a:fld id="{7A78726F-0AD2-4A20-BC72-263D2D3F3A2F}" type="datetime1">
               <a:rPr lang="en-US" altLang="zh-CN" smtClean="0"/>
-              <a:t>8/29/2017</a:t>
+              <a:t>8/31/2017</a:t>
             </a:fld>
             <a:endParaRPr lang="en-US"/>
           </a:p>
@@ -11270,7 +11271,7 @@
           <a:p>
             <a:fld id="{A1BE0A72-8501-4974-A7B7-5BD248ABBAFC}" type="datetime1">
               <a:rPr lang="zh-CN" altLang="en-US" smtClean="0"/>
-              <a:t>2017/8/29</a:t>
+              <a:t>2017/8/31</a:t>
             </a:fld>
             <a:endParaRPr lang="zh-CN" altLang="en-US"/>
           </a:p>
@@ -11876,7 +11877,7 @@
           <a:p>
             <a:fld id="{7A78726F-0AD2-4A20-BC72-263D2D3F3A2F}" type="datetime1">
               <a:rPr lang="en-US" altLang="zh-CN" smtClean="0"/>
-              <a:t>8/29/2017</a:t>
+              <a:t>8/31/2017</a:t>
             </a:fld>
             <a:endParaRPr lang="en-US"/>
           </a:p>
@@ -12840,6 +12841,251 @@
             <p:ph sz="quarter" idx="13"/>
           </p:nvPr>
         </p:nvSpPr>
+        <p:spPr/>
+        <p:txBody>
+          <a:bodyPr/>
+          <a:lstStyle/>
+          <a:p>
+            <a:r>
+              <a:rPr lang="zh-CN" altLang="en-US" b="0" dirty="0"/>
+              <a:t>注意！</a:t>
+            </a:r>
+          </a:p>
+        </p:txBody>
+      </p:sp>
+      <p:sp>
+        <p:nvSpPr>
+          <p:cNvPr id="3" name="文本框 2">
+            <a:extLst>
+              <a:ext uri="{FF2B5EF4-FFF2-40B4-BE49-F238E27FC236}">
+                <a16:creationId xmlns:a16="http://schemas.microsoft.com/office/drawing/2014/main" id="{8A712BF0-CC34-4F68-8122-7C591B22A08A}"/>
+              </a:ext>
+            </a:extLst>
+          </p:cNvPr>
+          <p:cNvSpPr txBox="1"/>
+          <p:nvPr/>
+        </p:nvSpPr>
+        <p:spPr>
+          <a:xfrm>
+            <a:off x="1054100" y="1671145"/>
+            <a:ext cx="10594427" cy="2346283"/>
+          </a:xfrm>
+          <a:prstGeom prst="rect">
+            <a:avLst/>
+          </a:prstGeom>
+          <a:noFill/>
+        </p:spPr>
+        <p:txBody>
+          <a:bodyPr wrap="square" rtlCol="0">
+            <a:spAutoFit/>
+          </a:bodyPr>
+          <a:lstStyle/>
+          <a:p>
+            <a:pPr marL="342900" indent="-342900">
+              <a:lnSpc>
+                <a:spcPct val="150000"/>
+              </a:lnSpc>
+              <a:buFont typeface="Arial" panose="020B0604020202020204" pitchFamily="34" charset="0"/>
+              <a:buChar char="•"/>
+            </a:pPr>
+            <a:r>
+              <a:rPr lang="zh-CN" altLang="en-US" sz="2000" dirty="0">
+                <a:latin typeface="微软雅黑" panose="020B0503020204020204" pitchFamily="34" charset="-122"/>
+                <a:ea typeface="微软雅黑" panose="020B0503020204020204" pitchFamily="34" charset="-122"/>
+              </a:rPr>
+              <a:t>这里演示的内容是新增永久素材的接口，不涉及临时素材的接口。</a:t>
+            </a:r>
+            <a:endParaRPr lang="en-US" altLang="zh-CN" sz="2000" dirty="0">
+              <a:latin typeface="微软雅黑" panose="020B0503020204020204" pitchFamily="34" charset="-122"/>
+              <a:ea typeface="微软雅黑" panose="020B0503020204020204" pitchFamily="34" charset="-122"/>
+            </a:endParaRPr>
+          </a:p>
+          <a:p>
+            <a:pPr marL="342900" indent="-342900">
+              <a:lnSpc>
+                <a:spcPct val="150000"/>
+              </a:lnSpc>
+              <a:buFont typeface="Arial" panose="020B0604020202020204" pitchFamily="34" charset="0"/>
+              <a:buChar char="•"/>
+            </a:pPr>
+            <a:r>
+              <a:rPr lang="zh-CN" altLang="en-US" sz="2000" dirty="0">
+                <a:latin typeface="微软雅黑" panose="020B0503020204020204" pitchFamily="34" charset="-122"/>
+                <a:ea typeface="微软雅黑" panose="020B0503020204020204" pitchFamily="34" charset="-122"/>
+              </a:rPr>
+              <a:t>临时素材与永久素材上传接口不同，但是参数与处理方式相同。</a:t>
+            </a:r>
+            <a:endParaRPr lang="en-US" altLang="zh-CN" sz="2000" dirty="0">
+              <a:latin typeface="微软雅黑" panose="020B0503020204020204" pitchFamily="34" charset="-122"/>
+              <a:ea typeface="微软雅黑" panose="020B0503020204020204" pitchFamily="34" charset="-122"/>
+            </a:endParaRPr>
+          </a:p>
+          <a:p>
+            <a:pPr marL="342900" indent="-342900">
+              <a:lnSpc>
+                <a:spcPct val="150000"/>
+              </a:lnSpc>
+              <a:buFont typeface="Arial" panose="020B0604020202020204" pitchFamily="34" charset="0"/>
+              <a:buChar char="•"/>
+            </a:pPr>
+            <a:r>
+              <a:rPr lang="zh-CN" altLang="en-US" sz="2000" dirty="0">
+                <a:latin typeface="微软雅黑" panose="020B0503020204020204" pitchFamily="34" charset="-122"/>
+                <a:ea typeface="微软雅黑" panose="020B0503020204020204" pitchFamily="34" charset="-122"/>
+              </a:rPr>
+              <a:t>临时素材与永久素材的区别：</a:t>
+            </a:r>
+            <a:endParaRPr lang="en-US" altLang="zh-CN" sz="2000" dirty="0">
+              <a:latin typeface="微软雅黑" panose="020B0503020204020204" pitchFamily="34" charset="-122"/>
+              <a:ea typeface="微软雅黑" panose="020B0503020204020204" pitchFamily="34" charset="-122"/>
+            </a:endParaRPr>
+          </a:p>
+          <a:p>
+            <a:pPr lvl="1">
+              <a:lnSpc>
+                <a:spcPct val="150000"/>
+              </a:lnSpc>
+            </a:pPr>
+            <a:r>
+              <a:rPr lang="zh-CN" altLang="en-US" dirty="0">
+                <a:solidFill>
+                  <a:schemeClr val="tx2">
+                    <a:lumMod val="75000"/>
+                  </a:schemeClr>
+                </a:solidFill>
+                <a:latin typeface="微软雅黑" panose="020B0503020204020204" pitchFamily="34" charset="-122"/>
+                <a:ea typeface="微软雅黑" panose="020B0503020204020204" pitchFamily="34" charset="-122"/>
+              </a:rPr>
+              <a:t>返回值不同，临时素材返回值带有</a:t>
+            </a:r>
+            <a:r>
+              <a:rPr lang="en-US" altLang="zh-CN" dirty="0">
+                <a:solidFill>
+                  <a:schemeClr val="tx2">
+                    <a:lumMod val="75000"/>
+                  </a:schemeClr>
+                </a:solidFill>
+                <a:latin typeface="微软雅黑" panose="020B0503020204020204" pitchFamily="34" charset="-122"/>
+                <a:ea typeface="微软雅黑" panose="020B0503020204020204" pitchFamily="34" charset="-122"/>
+              </a:rPr>
+              <a:t>type</a:t>
+            </a:r>
+            <a:r>
+              <a:rPr lang="zh-CN" altLang="en-US" dirty="0">
+                <a:solidFill>
+                  <a:schemeClr val="tx2">
+                    <a:lumMod val="75000"/>
+                  </a:schemeClr>
+                </a:solidFill>
+                <a:latin typeface="微软雅黑" panose="020B0503020204020204" pitchFamily="34" charset="-122"/>
+                <a:ea typeface="微软雅黑" panose="020B0503020204020204" pitchFamily="34" charset="-122"/>
+              </a:rPr>
+              <a:t>与创建时间的信息</a:t>
+            </a:r>
+            <a:endParaRPr lang="en-US" altLang="zh-CN" dirty="0">
+              <a:solidFill>
+                <a:schemeClr val="tx2">
+                  <a:lumMod val="75000"/>
+                </a:schemeClr>
+              </a:solidFill>
+              <a:latin typeface="微软雅黑" panose="020B0503020204020204" pitchFamily="34" charset="-122"/>
+              <a:ea typeface="微软雅黑" panose="020B0503020204020204" pitchFamily="34" charset="-122"/>
+            </a:endParaRPr>
+          </a:p>
+          <a:p>
+            <a:pPr lvl="1">
+              <a:lnSpc>
+                <a:spcPct val="150000"/>
+              </a:lnSpc>
+            </a:pPr>
+            <a:r>
+              <a:rPr lang="zh-CN" altLang="en-US" dirty="0">
+                <a:solidFill>
+                  <a:schemeClr val="tx2">
+                    <a:lumMod val="75000"/>
+                  </a:schemeClr>
+                </a:solidFill>
+                <a:latin typeface="微软雅黑" panose="020B0503020204020204" pitchFamily="34" charset="-122"/>
+                <a:ea typeface="微软雅黑" panose="020B0503020204020204" pitchFamily="34" charset="-122"/>
+              </a:rPr>
+              <a:t>临时素材只有</a:t>
+            </a:r>
+            <a:r>
+              <a:rPr lang="en-US" altLang="zh-CN" dirty="0">
+                <a:solidFill>
+                  <a:schemeClr val="tx2">
+                    <a:lumMod val="75000"/>
+                  </a:schemeClr>
+                </a:solidFill>
+                <a:latin typeface="微软雅黑" panose="020B0503020204020204" pitchFamily="34" charset="-122"/>
+                <a:ea typeface="微软雅黑" panose="020B0503020204020204" pitchFamily="34" charset="-122"/>
+              </a:rPr>
+              <a:t>3</a:t>
+            </a:r>
+            <a:r>
+              <a:rPr lang="zh-CN" altLang="en-US" dirty="0">
+                <a:solidFill>
+                  <a:schemeClr val="tx2">
+                    <a:lumMod val="75000"/>
+                  </a:schemeClr>
+                </a:solidFill>
+                <a:latin typeface="微软雅黑" panose="020B0503020204020204" pitchFamily="34" charset="-122"/>
+                <a:ea typeface="微软雅黑" panose="020B0503020204020204" pitchFamily="34" charset="-122"/>
+              </a:rPr>
+              <a:t>天的有效期</a:t>
+            </a:r>
+            <a:endParaRPr lang="en-US" altLang="zh-CN" dirty="0">
+              <a:solidFill>
+                <a:schemeClr val="tx2">
+                  <a:lumMod val="75000"/>
+                </a:schemeClr>
+              </a:solidFill>
+              <a:latin typeface="微软雅黑" panose="020B0503020204020204" pitchFamily="34" charset="-122"/>
+              <a:ea typeface="微软雅黑" panose="020B0503020204020204" pitchFamily="34" charset="-122"/>
+            </a:endParaRPr>
+          </a:p>
+        </p:txBody>
+      </p:sp>
+    </p:spTree>
+    <p:extLst>
+      <p:ext uri="{BB962C8B-B14F-4D97-AF65-F5344CB8AC3E}">
+        <p14:creationId xmlns:p14="http://schemas.microsoft.com/office/powerpoint/2010/main" val="703811849"/>
+      </p:ext>
+    </p:extLst>
+  </p:cSld>
+  <p:clrMapOvr>
+    <a:masterClrMapping/>
+  </p:clrMapOvr>
+</p:sld>
+</file>
+
+<file path=ppt/slides/slide11.xml><?xml version="1.0" encoding="utf-8"?>
+<p:sld xmlns:a="http://schemas.openxmlformats.org/drawingml/2006/main" xmlns:r="http://schemas.openxmlformats.org/officeDocument/2006/relationships" xmlns:p="http://schemas.openxmlformats.org/presentationml/2006/main">
+  <p:cSld>
+    <p:spTree>
+      <p:nvGrpSpPr>
+        <p:cNvPr id="1" name=""/>
+        <p:cNvGrpSpPr/>
+        <p:nvPr/>
+      </p:nvGrpSpPr>
+      <p:grpSpPr>
+        <a:xfrm>
+          <a:off x="0" y="0"/>
+          <a:ext cx="0" cy="0"/>
+          <a:chOff x="0" y="0"/>
+          <a:chExt cx="0" cy="0"/>
+        </a:xfrm>
+      </p:grpSpPr>
+      <p:sp>
+        <p:nvSpPr>
+          <p:cNvPr id="2" name="内容占位符 1"/>
+          <p:cNvSpPr>
+            <a:spLocks noGrp="1"/>
+          </p:cNvSpPr>
+          <p:nvPr>
+            <p:ph sz="quarter" idx="13"/>
+          </p:nvPr>
+        </p:nvSpPr>
         <p:spPr>
           <a:xfrm>
             <a:off x="1054100" y="543636"/>
@@ -13452,7 +13698,7 @@
 </p:sld>
 </file>
 
-<file path=ppt/slides/slide11.xml><?xml version="1.0" encoding="utf-8"?>
+<file path=ppt/slides/slide12.xml><?xml version="1.0" encoding="utf-8"?>
 <p:sld xmlns:a="http://schemas.openxmlformats.org/drawingml/2006/main" xmlns:r="http://schemas.openxmlformats.org/officeDocument/2006/relationships" xmlns:p="http://schemas.openxmlformats.org/presentationml/2006/main">
   <p:cSld>
     <p:spTree>
@@ -14357,7 +14603,7 @@
 </p:sld>
 </file>
 
-<file path=ppt/slides/slide12.xml><?xml version="1.0" encoding="utf-8"?>
+<file path=ppt/slides/slide13.xml><?xml version="1.0" encoding="utf-8"?>
 <p:sld xmlns:a="http://schemas.openxmlformats.org/drawingml/2006/main" xmlns:r="http://schemas.openxmlformats.org/officeDocument/2006/relationships" xmlns:p="http://schemas.openxmlformats.org/presentationml/2006/main">
   <p:cSld>
     <p:spTree>
@@ -14797,7 +15043,7 @@
 </p:sld>
 </file>
 
-<file path=ppt/slides/slide13.xml><?xml version="1.0" encoding="utf-8"?>
+<file path=ppt/slides/slide14.xml><?xml version="1.0" encoding="utf-8"?>
 <p:sld xmlns:a="http://schemas.openxmlformats.org/drawingml/2006/main" xmlns:r="http://schemas.openxmlformats.org/officeDocument/2006/relationships" xmlns:p="http://schemas.openxmlformats.org/presentationml/2006/main">
   <p:cSld>
     <p:spTree>
@@ -15099,7 +15345,7 @@
 </p:sld>
 </file>
 
-<file path=ppt/slides/slide14.xml><?xml version="1.0" encoding="utf-8"?>
+<file path=ppt/slides/slide15.xml><?xml version="1.0" encoding="utf-8"?>
 <p:sld xmlns:a="http://schemas.openxmlformats.org/drawingml/2006/main" xmlns:r="http://schemas.openxmlformats.org/officeDocument/2006/relationships" xmlns:p="http://schemas.openxmlformats.org/presentationml/2006/main">
   <p:cSld>
     <p:spTree>
@@ -16416,7 +16662,7 @@
 </p:sld>
 </file>
 
-<file path=ppt/slides/slide15.xml><?xml version="1.0" encoding="utf-8"?>
+<file path=ppt/slides/slide16.xml><?xml version="1.0" encoding="utf-8"?>
 <p:sld xmlns:a="http://schemas.openxmlformats.org/drawingml/2006/main" xmlns:r="http://schemas.openxmlformats.org/officeDocument/2006/relationships" xmlns:p="http://schemas.openxmlformats.org/presentationml/2006/main">
   <p:cSld>
     <p:spTree>
@@ -16609,7 +16855,7 @@
 </p:sld>
 </file>
 
-<file path=ppt/slides/slide16.xml><?xml version="1.0" encoding="utf-8"?>
+<file path=ppt/slides/slide17.xml><?xml version="1.0" encoding="utf-8"?>
 <p:sld xmlns:a="http://schemas.openxmlformats.org/drawingml/2006/main" xmlns:r="http://schemas.openxmlformats.org/officeDocument/2006/relationships" xmlns:p="http://schemas.openxmlformats.org/presentationml/2006/main">
   <p:cSld>
     <p:spTree>
@@ -17148,7 +17394,7 @@
 </p:sld>
 </file>
 
-<file path=ppt/slides/slide17.xml><?xml version="1.0" encoding="utf-8"?>
+<file path=ppt/slides/slide18.xml><?xml version="1.0" encoding="utf-8"?>
 <p:sld xmlns:a="http://schemas.openxmlformats.org/drawingml/2006/main" xmlns:r="http://schemas.openxmlformats.org/officeDocument/2006/relationships" xmlns:p="http://schemas.openxmlformats.org/presentationml/2006/main">
   <p:cSld>
     <p:spTree>
@@ -17423,7 +17669,7 @@
 </p:sld>
 </file>
 
-<file path=ppt/slides/slide18.xml><?xml version="1.0" encoding="utf-8"?>
+<file path=ppt/slides/slide19.xml><?xml version="1.0" encoding="utf-8"?>
 <p:sld xmlns:a="http://schemas.openxmlformats.org/drawingml/2006/main" xmlns:r="http://schemas.openxmlformats.org/officeDocument/2006/relationships" xmlns:p="http://schemas.openxmlformats.org/presentationml/2006/main">
   <p:cSld>
     <p:spTree>
@@ -18025,58 +18271,6 @@
 </p:sld>
 </file>
 
-<file path=ppt/slides/slide19.xml><?xml version="1.0" encoding="utf-8"?>
-<p:sld xmlns:a="http://schemas.openxmlformats.org/drawingml/2006/main" xmlns:r="http://schemas.openxmlformats.org/officeDocument/2006/relationships" xmlns:p="http://schemas.openxmlformats.org/presentationml/2006/main">
-  <p:cSld>
-    <p:spTree>
-      <p:nvGrpSpPr>
-        <p:cNvPr id="1" name=""/>
-        <p:cNvGrpSpPr/>
-        <p:nvPr/>
-      </p:nvGrpSpPr>
-      <p:grpSpPr>
-        <a:xfrm>
-          <a:off x="0" y="0"/>
-          <a:ext cx="0" cy="0"/>
-          <a:chOff x="0" y="0"/>
-          <a:chExt cx="0" cy="0"/>
-        </a:xfrm>
-      </p:grpSpPr>
-      <p:sp>
-        <p:nvSpPr>
-          <p:cNvPr id="2" name="内容占位符 1"/>
-          <p:cNvSpPr>
-            <a:spLocks noGrp="1"/>
-          </p:cNvSpPr>
-          <p:nvPr>
-            <p:ph sz="quarter" idx="13"/>
-          </p:nvPr>
-        </p:nvSpPr>
-        <p:spPr/>
-        <p:txBody>
-          <a:bodyPr/>
-          <a:lstStyle/>
-          <a:p>
-            <a:r>
-              <a:rPr lang="zh-CN" altLang="en-US" b="0" dirty="0"/>
-              <a:t>获取素材列表</a:t>
-            </a:r>
-          </a:p>
-        </p:txBody>
-      </p:sp>
-    </p:spTree>
-    <p:extLst>
-      <p:ext uri="{BB962C8B-B14F-4D97-AF65-F5344CB8AC3E}">
-        <p14:creationId xmlns:p14="http://schemas.microsoft.com/office/powerpoint/2010/main" val="4130968414"/>
-      </p:ext>
-    </p:extLst>
-  </p:cSld>
-  <p:clrMapOvr>
-    <a:masterClrMapping/>
-  </p:clrMapOvr>
-</p:sld>
-</file>
-
 <file path=ppt/slides/slide2.xml><?xml version="1.0" encoding="utf-8"?>
 <p:sld xmlns:a="http://schemas.openxmlformats.org/drawingml/2006/main" xmlns:r="http://schemas.openxmlformats.org/officeDocument/2006/relationships" xmlns:p="http://schemas.openxmlformats.org/presentationml/2006/main">
   <p:cSld>
@@ -18199,6 +18393,58 @@
 </file>
 
 <file path=ppt/slides/slide20.xml><?xml version="1.0" encoding="utf-8"?>
+<p:sld xmlns:a="http://schemas.openxmlformats.org/drawingml/2006/main" xmlns:r="http://schemas.openxmlformats.org/officeDocument/2006/relationships" xmlns:p="http://schemas.openxmlformats.org/presentationml/2006/main">
+  <p:cSld>
+    <p:spTree>
+      <p:nvGrpSpPr>
+        <p:cNvPr id="1" name=""/>
+        <p:cNvGrpSpPr/>
+        <p:nvPr/>
+      </p:nvGrpSpPr>
+      <p:grpSpPr>
+        <a:xfrm>
+          <a:off x="0" y="0"/>
+          <a:ext cx="0" cy="0"/>
+          <a:chOff x="0" y="0"/>
+          <a:chExt cx="0" cy="0"/>
+        </a:xfrm>
+      </p:grpSpPr>
+      <p:sp>
+        <p:nvSpPr>
+          <p:cNvPr id="2" name="内容占位符 1"/>
+          <p:cNvSpPr>
+            <a:spLocks noGrp="1"/>
+          </p:cNvSpPr>
+          <p:nvPr>
+            <p:ph sz="quarter" idx="13"/>
+          </p:nvPr>
+        </p:nvSpPr>
+        <p:spPr/>
+        <p:txBody>
+          <a:bodyPr/>
+          <a:lstStyle/>
+          <a:p>
+            <a:r>
+              <a:rPr lang="zh-CN" altLang="en-US" b="0" dirty="0"/>
+              <a:t>获取素材列表</a:t>
+            </a:r>
+          </a:p>
+        </p:txBody>
+      </p:sp>
+    </p:spTree>
+    <p:extLst>
+      <p:ext uri="{BB962C8B-B14F-4D97-AF65-F5344CB8AC3E}">
+        <p14:creationId xmlns:p14="http://schemas.microsoft.com/office/powerpoint/2010/main" val="4130968414"/>
+      </p:ext>
+    </p:extLst>
+  </p:cSld>
+  <p:clrMapOvr>
+    <a:masterClrMapping/>
+  </p:clrMapOvr>
+</p:sld>
+</file>
+
+<file path=ppt/slides/slide21.xml><?xml version="1.0" encoding="utf-8"?>
 <p:sld xmlns:a="http://schemas.openxmlformats.org/drawingml/2006/main" xmlns:r="http://schemas.openxmlformats.org/officeDocument/2006/relationships" xmlns:p="http://schemas.openxmlformats.org/presentationml/2006/main">
   <p:cSld>
     <p:spTree>
@@ -19653,24 +19899,37 @@
             <p:ph sz="quarter" idx="13"/>
           </p:nvPr>
         </p:nvSpPr>
-        <p:spPr/>
+        <p:spPr>
+          <a:xfrm>
+            <a:off x="1054099" y="543636"/>
+            <a:ext cx="7352482" cy="685800"/>
+          </a:xfrm>
+        </p:spPr>
         <p:txBody>
           <a:bodyPr/>
           <a:lstStyle/>
           <a:p>
             <a:r>
-              <a:rPr lang="zh-CN" altLang="en-US" dirty="0"/>
-              <a:t>第二讲</a:t>
-            </a:r>
-          </a:p>
-        </p:txBody>
-      </p:sp>
-      <p:sp>
-        <p:nvSpPr>
-          <p:cNvPr id="4" name="文本框 3">
+              <a:rPr lang="zh-CN" altLang="en-US" b="0" dirty="0"/>
+              <a:t>封装</a:t>
+            </a:r>
+            <a:r>
+              <a:rPr lang="en-US" altLang="zh-CN" b="0" dirty="0"/>
+              <a:t>CURL</a:t>
+            </a:r>
+            <a:r>
+              <a:rPr lang="zh-CN" altLang="en-US" b="0" dirty="0"/>
+              <a:t>扩展</a:t>
+            </a:r>
+          </a:p>
+        </p:txBody>
+      </p:sp>
+      <p:sp>
+        <p:nvSpPr>
+          <p:cNvPr id="3" name="文本框 2">
             <a:extLst>
               <a:ext uri="{FF2B5EF4-FFF2-40B4-BE49-F238E27FC236}">
-                <a16:creationId xmlns:a16="http://schemas.microsoft.com/office/drawing/2014/main" id="{7F93AF9A-5FDE-4BDC-9C03-D2E27C069035}"/>
+                <a16:creationId xmlns:a16="http://schemas.microsoft.com/office/drawing/2014/main" id="{8A712BF0-CC34-4F68-8122-7C591B22A08A}"/>
               </a:ext>
             </a:extLst>
           </p:cNvPr>
@@ -19679,8 +19938,8 @@
         </p:nvSpPr>
         <p:spPr>
           <a:xfrm>
-            <a:off x="4058444" y="2343152"/>
-            <a:ext cx="5385594" cy="1969257"/>
+            <a:off x="1054100" y="1671145"/>
+            <a:ext cx="10594427" cy="400110"/>
           </a:xfrm>
           <a:prstGeom prst="rect">
             <a:avLst/>
@@ -19693,21 +19952,19 @@
           </a:bodyPr>
           <a:lstStyle/>
           <a:p>
-            <a:pPr marL="514350" indent="-514350">
-              <a:lnSpc>
-                <a:spcPct val="200000"/>
-              </a:lnSpc>
-              <a:buFont typeface="+mj-ea"/>
-              <a:buAutoNum type="ea1JpnChsDbPeriod"/>
+            <a:pPr marL="342900" indent="-342900">
+              <a:buFont typeface="Arial" panose="020B0604020202020204" pitchFamily="34" charset="0"/>
+              <a:buChar char="•"/>
             </a:pPr>
             <a:r>
+              <a:rPr lang="zh-CN" altLang="en-US" sz="2000" dirty="0">
+                <a:latin typeface="微软雅黑" panose="020B0503020204020204" pitchFamily="34" charset="-122"/>
+                <a:ea typeface="微软雅黑" panose="020B0503020204020204" pitchFamily="34" charset="-122"/>
+              </a:rPr>
+              <a:t>把经常用到的</a:t>
+            </a:r>
+            <a:r>
               <a:rPr lang="en-US" altLang="zh-CN" sz="2000" dirty="0">
-                <a:solidFill>
-                  <a:schemeClr val="tx1">
-                    <a:lumMod val="65000"/>
-                    <a:lumOff val="35000"/>
-                  </a:schemeClr>
-                </a:solidFill>
                 <a:latin typeface="微软雅黑" panose="020B0503020204020204" pitchFamily="34" charset="-122"/>
                 <a:ea typeface="微软雅黑" panose="020B0503020204020204" pitchFamily="34" charset="-122"/>
               </a:rPr>
@@ -19715,96 +19972,36 @@
             </a:r>
             <a:r>
               <a:rPr lang="zh-CN" altLang="en-US" sz="2000" dirty="0">
-                <a:solidFill>
-                  <a:schemeClr val="tx1">
-                    <a:lumMod val="65000"/>
-                    <a:lumOff val="35000"/>
-                  </a:schemeClr>
-                </a:solidFill>
                 <a:latin typeface="微软雅黑" panose="020B0503020204020204" pitchFamily="34" charset="-122"/>
                 <a:ea typeface="微软雅黑" panose="020B0503020204020204" pitchFamily="34" charset="-122"/>
               </a:rPr>
-              <a:t>上传与下载文件</a:t>
+              <a:t>扩展封装成一个类库，更加方便的调用</a:t>
+            </a:r>
+            <a:r>
+              <a:rPr lang="en-US" altLang="zh-CN" sz="2000" dirty="0">
+                <a:latin typeface="微软雅黑" panose="020B0503020204020204" pitchFamily="34" charset="-122"/>
+                <a:ea typeface="微软雅黑" panose="020B0503020204020204" pitchFamily="34" charset="-122"/>
+              </a:rPr>
+              <a:t>CURL</a:t>
+            </a:r>
+            <a:r>
+              <a:rPr lang="zh-CN" altLang="en-US" sz="2000" dirty="0">
+                <a:latin typeface="微软雅黑" panose="020B0503020204020204" pitchFamily="34" charset="-122"/>
+                <a:ea typeface="微软雅黑" panose="020B0503020204020204" pitchFamily="34" charset="-122"/>
+              </a:rPr>
+              <a:t>。</a:t>
             </a:r>
             <a:endParaRPr lang="en-US" altLang="zh-CN" sz="2000" dirty="0">
-              <a:solidFill>
-                <a:schemeClr val="tx1">
-                  <a:lumMod val="65000"/>
-                  <a:lumOff val="35000"/>
-                </a:schemeClr>
-              </a:solidFill>
               <a:latin typeface="微软雅黑" panose="020B0503020204020204" pitchFamily="34" charset="-122"/>
               <a:ea typeface="微软雅黑" panose="020B0503020204020204" pitchFamily="34" charset="-122"/>
             </a:endParaRPr>
           </a:p>
-          <a:p>
-            <a:pPr marL="514350" indent="-514350">
-              <a:lnSpc>
-                <a:spcPct val="200000"/>
-              </a:lnSpc>
-              <a:buFont typeface="+mj-ea"/>
-              <a:buAutoNum type="ea1JpnChsDbPeriod"/>
-            </a:pPr>
-            <a:r>
-              <a:rPr lang="zh-CN" altLang="en-US" sz="2400" dirty="0">
-                <a:solidFill>
-                  <a:schemeClr val="accent6">
-                    <a:lumMod val="75000"/>
-                  </a:schemeClr>
-                </a:solidFill>
-                <a:latin typeface="微软雅黑" panose="020B0503020204020204" pitchFamily="34" charset="-122"/>
-                <a:ea typeface="微软雅黑" panose="020B0503020204020204" pitchFamily="34" charset="-122"/>
-              </a:rPr>
-              <a:t>上传素材</a:t>
-            </a:r>
-            <a:endParaRPr lang="en-US" altLang="zh-CN" sz="2400" dirty="0">
-              <a:solidFill>
-                <a:schemeClr val="accent6">
-                  <a:lumMod val="75000"/>
-                </a:schemeClr>
-              </a:solidFill>
-              <a:latin typeface="微软雅黑" panose="020B0503020204020204" pitchFamily="34" charset="-122"/>
-              <a:ea typeface="微软雅黑" panose="020B0503020204020204" pitchFamily="34" charset="-122"/>
-            </a:endParaRPr>
-          </a:p>
-          <a:p>
-            <a:pPr marL="514350" indent="-514350">
-              <a:lnSpc>
-                <a:spcPct val="200000"/>
-              </a:lnSpc>
-              <a:buFont typeface="+mj-ea"/>
-              <a:buAutoNum type="ea1JpnChsDbPeriod"/>
-            </a:pPr>
-            <a:r>
-              <a:rPr lang="zh-CN" altLang="en-US" sz="2000" dirty="0">
-                <a:solidFill>
-                  <a:schemeClr val="tx1">
-                    <a:lumMod val="65000"/>
-                    <a:lumOff val="35000"/>
-                  </a:schemeClr>
-                </a:solidFill>
-                <a:latin typeface="微软雅黑" panose="020B0503020204020204" pitchFamily="34" charset="-122"/>
-                <a:ea typeface="微软雅黑" panose="020B0503020204020204" pitchFamily="34" charset="-122"/>
-              </a:rPr>
-              <a:t>获取与删除素材</a:t>
-            </a:r>
-            <a:endParaRPr lang="en-US" altLang="zh-CN" sz="2000" dirty="0">
-              <a:solidFill>
-                <a:schemeClr val="tx1">
-                  <a:lumMod val="65000"/>
-                  <a:lumOff val="35000"/>
-                </a:schemeClr>
-              </a:solidFill>
-              <a:latin typeface="微软雅黑" panose="020B0503020204020204" pitchFamily="34" charset="-122"/>
-              <a:ea typeface="微软雅黑" panose="020B0503020204020204" pitchFamily="34" charset="-122"/>
-            </a:endParaRPr>
-          </a:p>
         </p:txBody>
       </p:sp>
     </p:spTree>
     <p:extLst>
       <p:ext uri="{BB962C8B-B14F-4D97-AF65-F5344CB8AC3E}">
-        <p14:creationId xmlns:p14="http://schemas.microsoft.com/office/powerpoint/2010/main" val="2999457395"/>
+        <p14:creationId xmlns:p14="http://schemas.microsoft.com/office/powerpoint/2010/main" val="3546323668"/>
       </p:ext>
     </p:extLst>
   </p:cSld>
@@ -19847,18 +20044,18 @@
           <a:lstStyle/>
           <a:p>
             <a:r>
-              <a:rPr lang="zh-CN" altLang="en-US" b="0" dirty="0"/>
-              <a:t>注意！</a:t>
-            </a:r>
-          </a:p>
-        </p:txBody>
-      </p:sp>
-      <p:sp>
-        <p:nvSpPr>
-          <p:cNvPr id="3" name="文本框 2">
+              <a:rPr lang="zh-CN" altLang="en-US" dirty="0"/>
+              <a:t>第二讲</a:t>
+            </a:r>
+          </a:p>
+        </p:txBody>
+      </p:sp>
+      <p:sp>
+        <p:nvSpPr>
+          <p:cNvPr id="4" name="文本框 3">
             <a:extLst>
               <a:ext uri="{FF2B5EF4-FFF2-40B4-BE49-F238E27FC236}">
-                <a16:creationId xmlns:a16="http://schemas.microsoft.com/office/drawing/2014/main" id="{8A712BF0-CC34-4F68-8122-7C591B22A08A}"/>
+                <a16:creationId xmlns:a16="http://schemas.microsoft.com/office/drawing/2014/main" id="{7F93AF9A-5FDE-4BDC-9C03-D2E27C069035}"/>
               </a:ext>
             </a:extLst>
           </p:cNvPr>
@@ -19867,8 +20064,8 @@
         </p:nvSpPr>
         <p:spPr>
           <a:xfrm>
-            <a:off x="1054100" y="1671145"/>
-            <a:ext cx="10594427" cy="400110"/>
+            <a:off x="4058444" y="2343152"/>
+            <a:ext cx="5385594" cy="1969257"/>
           </a:xfrm>
           <a:prstGeom prst="rect">
             <a:avLst/>
@@ -19881,28 +20078,118 @@
           </a:bodyPr>
           <a:lstStyle/>
           <a:p>
-            <a:pPr marL="342900" indent="-342900">
-              <a:buFont typeface="Arial" panose="020B0604020202020204" pitchFamily="34" charset="0"/>
-              <a:buChar char="•"/>
+            <a:pPr marL="514350" indent="-514350">
+              <a:lnSpc>
+                <a:spcPct val="200000"/>
+              </a:lnSpc>
+              <a:buFont typeface="+mj-ea"/>
+              <a:buAutoNum type="ea1JpnChsDbPeriod"/>
             </a:pPr>
             <a:r>
-              <a:rPr lang="zh-CN" altLang="en-US" sz="2000" dirty="0">
+              <a:rPr lang="en-US" altLang="zh-CN" sz="2000" dirty="0">
+                <a:solidFill>
+                  <a:schemeClr val="tx1">
+                    <a:lumMod val="65000"/>
+                    <a:lumOff val="35000"/>
+                  </a:schemeClr>
+                </a:solidFill>
                 <a:latin typeface="微软雅黑" panose="020B0503020204020204" pitchFamily="34" charset="-122"/>
                 <a:ea typeface="微软雅黑" panose="020B0503020204020204" pitchFamily="34" charset="-122"/>
               </a:rPr>
-              <a:t>这里演示的内容是新增永久素材的接口，不涉及临时素材的接口。</a:t>
+              <a:t>CURL</a:t>
+            </a:r>
+            <a:r>
+              <a:rPr lang="zh-CN" altLang="en-US" sz="2000" dirty="0">
+                <a:solidFill>
+                  <a:schemeClr val="tx1">
+                    <a:lumMod val="65000"/>
+                    <a:lumOff val="35000"/>
+                  </a:schemeClr>
+                </a:solidFill>
+                <a:latin typeface="微软雅黑" panose="020B0503020204020204" pitchFamily="34" charset="-122"/>
+                <a:ea typeface="微软雅黑" panose="020B0503020204020204" pitchFamily="34" charset="-122"/>
+              </a:rPr>
+              <a:t>上传与下载文件</a:t>
             </a:r>
             <a:endParaRPr lang="en-US" altLang="zh-CN" sz="2000" dirty="0">
+              <a:solidFill>
+                <a:schemeClr val="tx1">
+                  <a:lumMod val="65000"/>
+                  <a:lumOff val="35000"/>
+                </a:schemeClr>
+              </a:solidFill>
               <a:latin typeface="微软雅黑" panose="020B0503020204020204" pitchFamily="34" charset="-122"/>
               <a:ea typeface="微软雅黑" panose="020B0503020204020204" pitchFamily="34" charset="-122"/>
             </a:endParaRPr>
           </a:p>
+          <a:p>
+            <a:pPr marL="514350" indent="-514350">
+              <a:lnSpc>
+                <a:spcPct val="200000"/>
+              </a:lnSpc>
+              <a:buFont typeface="+mj-ea"/>
+              <a:buAutoNum type="ea1JpnChsDbPeriod"/>
+            </a:pPr>
+            <a:r>
+              <a:rPr lang="zh-CN" altLang="en-US" sz="2400" dirty="0">
+                <a:solidFill>
+                  <a:schemeClr val="accent6">
+                    <a:lumMod val="75000"/>
+                  </a:schemeClr>
+                </a:solidFill>
+                <a:latin typeface="微软雅黑" panose="020B0503020204020204" pitchFamily="34" charset="-122"/>
+                <a:ea typeface="微软雅黑" panose="020B0503020204020204" pitchFamily="34" charset="-122"/>
+              </a:rPr>
+              <a:t>上传素材</a:t>
+            </a:r>
+            <a:endParaRPr lang="en-US" altLang="zh-CN" sz="2400" dirty="0">
+              <a:solidFill>
+                <a:schemeClr val="accent6">
+                  <a:lumMod val="75000"/>
+                </a:schemeClr>
+              </a:solidFill>
+              <a:latin typeface="微软雅黑" panose="020B0503020204020204" pitchFamily="34" charset="-122"/>
+              <a:ea typeface="微软雅黑" panose="020B0503020204020204" pitchFamily="34" charset="-122"/>
+            </a:endParaRPr>
+          </a:p>
+          <a:p>
+            <a:pPr marL="514350" indent="-514350">
+              <a:lnSpc>
+                <a:spcPct val="200000"/>
+              </a:lnSpc>
+              <a:buFont typeface="+mj-ea"/>
+              <a:buAutoNum type="ea1JpnChsDbPeriod"/>
+            </a:pPr>
+            <a:r>
+              <a:rPr lang="zh-CN" altLang="en-US" sz="2000" dirty="0">
+                <a:solidFill>
+                  <a:schemeClr val="tx1">
+                    <a:lumMod val="65000"/>
+                    <a:lumOff val="35000"/>
+                  </a:schemeClr>
+                </a:solidFill>
+                <a:latin typeface="微软雅黑" panose="020B0503020204020204" pitchFamily="34" charset="-122"/>
+                <a:ea typeface="微软雅黑" panose="020B0503020204020204" pitchFamily="34" charset="-122"/>
+              </a:rPr>
+              <a:t>获取与删除素材</a:t>
+            </a:r>
+            <a:endParaRPr lang="en-US" altLang="zh-CN" sz="2000" dirty="0">
+              <a:solidFill>
+                <a:schemeClr val="tx1">
+                  <a:lumMod val="65000"/>
+                  <a:lumOff val="35000"/>
+                </a:schemeClr>
+              </a:solidFill>
+              <a:latin typeface="微软雅黑" panose="020B0503020204020204" pitchFamily="34" charset="-122"/>
+              <a:ea typeface="微软雅黑" panose="020B0503020204020204" pitchFamily="34" charset="-122"/>
+            </a:endParaRPr>
+          </a:p>
         </p:txBody>
       </p:sp>
     </p:spTree>
     <p:extLst>
       <p:ext uri="{BB962C8B-B14F-4D97-AF65-F5344CB8AC3E}">
-        <p14:creationId xmlns:p14="http://schemas.microsoft.com/office/powerpoint/2010/main" val="703811849"/>
+        <p14:creationId xmlns:p14="http://schemas.microsoft.com/office/powerpoint/2010/main" val="2999457395"/>
       </p:ext>
     </p:extLst>
   </p:cSld>
